--- a/16216/f15/lectures/16.216f15_lec1_intro.pptx
+++ b/16216/f15/lectures/16.216f15_lec1_intro.pptx
@@ -529,7 +529,7 @@
         <p:nvSpPr>
           <p:cNvPr id="26628" name="Rectangle 4"/>
           <p:cNvSpPr>
-            <a:spLocks noRot="1" noChangeArrowheads="1" noTextEdit="1"/>
+            <a:spLocks noGrp="1" noRot="1" noChangeAspect="1" noChangeArrowheads="1" noTextEdit="1"/>
           </p:cNvSpPr>
           <p:nvPr>
             <p:ph type="sldImg" idx="2"/>
@@ -553,7 +553,7 @@
             <a:tailEnd/>
           </a:ln>
           <a:extLst>
-            <a:ext uri="{909E8E84-426E-40dd-AFC4-6F175D3DCCD1}">
+            <a:ext uri="{909E8E84-426E-40DD-AFC4-6F175D3DCCD1}">
               <a14:hiddenFill xmlns:a14="http://schemas.microsoft.com/office/drawing/2010/main">
                 <a:solidFill>
                   <a:srgbClr val="FFFFFF"/>
@@ -561,7 +561,7 @@
               </a14:hiddenFill>
             </a:ext>
             <a:ext uri="{FAA26D3D-D897-4be2-8F04-BA451C77F1D7}">
-              <ma14:placeholderFlag xmlns:ma14="http://schemas.microsoft.com/office/mac/drawingml/2011/main" val="1"/>
+              <ma14:placeholderFlag xmlns:ma14="http://schemas.microsoft.com/office/mac/drawingml/2011/main" xmlns="" val="1"/>
             </a:ext>
           </a:extLst>
         </p:spPr>
@@ -899,14 +899,14 @@
           <a:noFill/>
           <a:ln/>
           <a:extLst>
-            <a:ext uri="{909E8E84-426E-40dd-AFC4-6F175D3DCCD1}">
+            <a:ext uri="{909E8E84-426E-40DD-AFC4-6F175D3DCCD1}">
               <a14:hiddenFill xmlns:a14="http://schemas.microsoft.com/office/drawing/2010/main">
                 <a:solidFill>
                   <a:srgbClr val="FFFFFF"/>
                 </a:solidFill>
               </a14:hiddenFill>
             </a:ext>
-            <a:ext uri="{91240B29-F687-4f45-9708-019B960494DF}">
+            <a:ext uri="{91240B29-F687-4F45-9708-019B960494DF}">
               <a14:hiddenLine xmlns:a14="http://schemas.microsoft.com/office/drawing/2010/main" w="9525">
                 <a:solidFill>
                   <a:srgbClr val="000000"/>
@@ -1050,7 +1050,7 @@
         <p:nvSpPr>
           <p:cNvPr id="27651" name="Rectangle 2"/>
           <p:cNvSpPr>
-            <a:spLocks noRot="1" noChangeArrowheads="1" noTextEdit="1"/>
+            <a:spLocks noGrp="1" noRot="1" noChangeAspect="1" noChangeArrowheads="1" noTextEdit="1"/>
           </p:cNvSpPr>
           <p:nvPr>
             <p:ph type="sldImg"/>
@@ -1074,14 +1074,14 @@
           <a:noFill/>
           <a:ln/>
           <a:extLst>
-            <a:ext uri="{909E8E84-426E-40dd-AFC4-6F175D3DCCD1}">
+            <a:ext uri="{909E8E84-426E-40DD-AFC4-6F175D3DCCD1}">
               <a14:hiddenFill xmlns:a14="http://schemas.microsoft.com/office/drawing/2010/main">
                 <a:solidFill>
                   <a:srgbClr val="FFFFFF"/>
                 </a:solidFill>
               </a14:hiddenFill>
             </a:ext>
-            <a:ext uri="{91240B29-F687-4f45-9708-019B960494DF}">
+            <a:ext uri="{91240B29-F687-4F45-9708-019B960494DF}">
               <a14:hiddenLine xmlns:a14="http://schemas.microsoft.com/office/drawing/2010/main" w="9525">
                 <a:solidFill>
                   <a:srgbClr val="000000"/>
@@ -1092,7 +1092,7 @@
               </a14:hiddenLine>
             </a:ext>
             <a:ext uri="{FAA26D3D-D897-4be2-8F04-BA451C77F1D7}">
-              <ma14:placeholderFlag xmlns:ma14="http://schemas.microsoft.com/office/mac/drawingml/2011/main" val="1"/>
+              <ma14:placeholderFlag xmlns:ma14="http://schemas.microsoft.com/office/mac/drawingml/2011/main" xmlns="" val="1"/>
             </a:ext>
           </a:extLst>
         </p:spPr>
@@ -1144,14 +1144,14 @@
           <a:noFill/>
           <a:ln/>
           <a:extLst>
-            <a:ext uri="{909E8E84-426E-40dd-AFC4-6F175D3DCCD1}">
+            <a:ext uri="{909E8E84-426E-40DD-AFC4-6F175D3DCCD1}">
               <a14:hiddenFill xmlns:a14="http://schemas.microsoft.com/office/drawing/2010/main">
                 <a:solidFill>
                   <a:srgbClr val="FFFFFF"/>
                 </a:solidFill>
               </a14:hiddenFill>
             </a:ext>
-            <a:ext uri="{91240B29-F687-4f45-9708-019B960494DF}">
+            <a:ext uri="{91240B29-F687-4F45-9708-019B960494DF}">
               <a14:hiddenLine xmlns:a14="http://schemas.microsoft.com/office/drawing/2010/main" w="9525">
                 <a:solidFill>
                   <a:srgbClr val="000000"/>
@@ -1295,7 +1295,7 @@
         <p:nvSpPr>
           <p:cNvPr id="28675" name="Rectangle 2"/>
           <p:cNvSpPr>
-            <a:spLocks noRot="1" noChangeArrowheads="1" noTextEdit="1"/>
+            <a:spLocks noGrp="1" noRot="1" noChangeAspect="1" noChangeArrowheads="1" noTextEdit="1"/>
           </p:cNvSpPr>
           <p:nvPr>
             <p:ph type="sldImg"/>
@@ -1319,14 +1319,14 @@
           <a:noFill/>
           <a:ln/>
           <a:extLst>
-            <a:ext uri="{909E8E84-426E-40dd-AFC4-6F175D3DCCD1}">
+            <a:ext uri="{909E8E84-426E-40DD-AFC4-6F175D3DCCD1}">
               <a14:hiddenFill xmlns:a14="http://schemas.microsoft.com/office/drawing/2010/main">
                 <a:solidFill>
                   <a:srgbClr val="FFFFFF"/>
                 </a:solidFill>
               </a14:hiddenFill>
             </a:ext>
-            <a:ext uri="{91240B29-F687-4f45-9708-019B960494DF}">
+            <a:ext uri="{91240B29-F687-4F45-9708-019B960494DF}">
               <a14:hiddenLine xmlns:a14="http://schemas.microsoft.com/office/drawing/2010/main" w="9525">
                 <a:solidFill>
                   <a:srgbClr val="000000"/>
@@ -1337,7 +1337,7 @@
               </a14:hiddenLine>
             </a:ext>
             <a:ext uri="{FAA26D3D-D897-4be2-8F04-BA451C77F1D7}">
-              <ma14:placeholderFlag xmlns:ma14="http://schemas.microsoft.com/office/mac/drawingml/2011/main" val="1"/>
+              <ma14:placeholderFlag xmlns:ma14="http://schemas.microsoft.com/office/mac/drawingml/2011/main" xmlns="" val="1"/>
             </a:ext>
           </a:extLst>
         </p:spPr>
@@ -1389,14 +1389,14 @@
           <a:noFill/>
           <a:ln/>
           <a:extLst>
-            <a:ext uri="{909E8E84-426E-40dd-AFC4-6F175D3DCCD1}">
+            <a:ext uri="{909E8E84-426E-40DD-AFC4-6F175D3DCCD1}">
               <a14:hiddenFill xmlns:a14="http://schemas.microsoft.com/office/drawing/2010/main">
                 <a:solidFill>
                   <a:srgbClr val="FFFFFF"/>
                 </a:solidFill>
               </a14:hiddenFill>
             </a:ext>
-            <a:ext uri="{91240B29-F687-4f45-9708-019B960494DF}">
+            <a:ext uri="{91240B29-F687-4F45-9708-019B960494DF}">
               <a14:hiddenLine xmlns:a14="http://schemas.microsoft.com/office/drawing/2010/main" w="9525">
                 <a:solidFill>
                   <a:srgbClr val="000000"/>
@@ -1540,7 +1540,7 @@
         <p:nvSpPr>
           <p:cNvPr id="28675" name="Rectangle 2"/>
           <p:cNvSpPr>
-            <a:spLocks noRot="1" noChangeArrowheads="1" noTextEdit="1"/>
+            <a:spLocks noGrp="1" noRot="1" noChangeAspect="1" noChangeArrowheads="1" noTextEdit="1"/>
           </p:cNvSpPr>
           <p:nvPr>
             <p:ph type="sldImg"/>
@@ -1564,14 +1564,14 @@
           <a:noFill/>
           <a:ln/>
           <a:extLst>
-            <a:ext uri="{909E8E84-426E-40dd-AFC4-6F175D3DCCD1}">
+            <a:ext uri="{909E8E84-426E-40DD-AFC4-6F175D3DCCD1}">
               <a14:hiddenFill xmlns:a14="http://schemas.microsoft.com/office/drawing/2010/main">
                 <a:solidFill>
                   <a:srgbClr val="FFFFFF"/>
                 </a:solidFill>
               </a14:hiddenFill>
             </a:ext>
-            <a:ext uri="{91240B29-F687-4f45-9708-019B960494DF}">
+            <a:ext uri="{91240B29-F687-4F45-9708-019B960494DF}">
               <a14:hiddenLine xmlns:a14="http://schemas.microsoft.com/office/drawing/2010/main" w="9525">
                 <a:solidFill>
                   <a:srgbClr val="000000"/>
@@ -1582,7 +1582,7 @@
               </a14:hiddenLine>
             </a:ext>
             <a:ext uri="{FAA26D3D-D897-4be2-8F04-BA451C77F1D7}">
-              <ma14:placeholderFlag xmlns:ma14="http://schemas.microsoft.com/office/mac/drawingml/2011/main" val="1"/>
+              <ma14:placeholderFlag xmlns:ma14="http://schemas.microsoft.com/office/mac/drawingml/2011/main" xmlns="" val="1"/>
             </a:ext>
           </a:extLst>
         </p:spPr>
@@ -1634,14 +1634,14 @@
           <a:noFill/>
           <a:ln/>
           <a:extLst>
-            <a:ext uri="{909E8E84-426E-40dd-AFC4-6F175D3DCCD1}">
+            <a:ext uri="{909E8E84-426E-40DD-AFC4-6F175D3DCCD1}">
               <a14:hiddenFill xmlns:a14="http://schemas.microsoft.com/office/drawing/2010/main">
                 <a:solidFill>
                   <a:srgbClr val="FFFFFF"/>
                 </a:solidFill>
               </a14:hiddenFill>
             </a:ext>
-            <a:ext uri="{91240B29-F687-4f45-9708-019B960494DF}">
+            <a:ext uri="{91240B29-F687-4F45-9708-019B960494DF}">
               <a14:hiddenLine xmlns:a14="http://schemas.microsoft.com/office/drawing/2010/main" w="9525">
                 <a:solidFill>
                   <a:srgbClr val="000000"/>
@@ -1785,7 +1785,7 @@
         <p:nvSpPr>
           <p:cNvPr id="29699" name="Rectangle 2"/>
           <p:cNvSpPr>
-            <a:spLocks noRot="1" noChangeArrowheads="1" noTextEdit="1"/>
+            <a:spLocks noGrp="1" noRot="1" noChangeAspect="1" noChangeArrowheads="1" noTextEdit="1"/>
           </p:cNvSpPr>
           <p:nvPr>
             <p:ph type="sldImg"/>
@@ -1809,14 +1809,14 @@
           <a:noFill/>
           <a:ln/>
           <a:extLst>
-            <a:ext uri="{909E8E84-426E-40dd-AFC4-6F175D3DCCD1}">
+            <a:ext uri="{909E8E84-426E-40DD-AFC4-6F175D3DCCD1}">
               <a14:hiddenFill xmlns:a14="http://schemas.microsoft.com/office/drawing/2010/main">
                 <a:solidFill>
                   <a:srgbClr val="FFFFFF"/>
                 </a:solidFill>
               </a14:hiddenFill>
             </a:ext>
-            <a:ext uri="{91240B29-F687-4f45-9708-019B960494DF}">
+            <a:ext uri="{91240B29-F687-4F45-9708-019B960494DF}">
               <a14:hiddenLine xmlns:a14="http://schemas.microsoft.com/office/drawing/2010/main" w="9525">
                 <a:solidFill>
                   <a:srgbClr val="000000"/>
@@ -1827,7 +1827,7 @@
               </a14:hiddenLine>
             </a:ext>
             <a:ext uri="{FAA26D3D-D897-4be2-8F04-BA451C77F1D7}">
-              <ma14:placeholderFlag xmlns:ma14="http://schemas.microsoft.com/office/mac/drawingml/2011/main" val="1"/>
+              <ma14:placeholderFlag xmlns:ma14="http://schemas.microsoft.com/office/mac/drawingml/2011/main" xmlns="" val="1"/>
             </a:ext>
           </a:extLst>
         </p:spPr>
@@ -1879,14 +1879,14 @@
           <a:noFill/>
           <a:ln/>
           <a:extLst>
-            <a:ext uri="{909E8E84-426E-40dd-AFC4-6F175D3DCCD1}">
+            <a:ext uri="{909E8E84-426E-40DD-AFC4-6F175D3DCCD1}">
               <a14:hiddenFill xmlns:a14="http://schemas.microsoft.com/office/drawing/2010/main">
                 <a:solidFill>
                   <a:srgbClr val="FFFFFF"/>
                 </a:solidFill>
               </a14:hiddenFill>
             </a:ext>
-            <a:ext uri="{91240B29-F687-4f45-9708-019B960494DF}">
+            <a:ext uri="{91240B29-F687-4F45-9708-019B960494DF}">
               <a14:hiddenLine xmlns:a14="http://schemas.microsoft.com/office/drawing/2010/main" w="9525">
                 <a:solidFill>
                   <a:srgbClr val="000000"/>
@@ -2030,7 +2030,7 @@
         <p:nvSpPr>
           <p:cNvPr id="30723" name="Rectangle 2"/>
           <p:cNvSpPr>
-            <a:spLocks noRot="1" noChangeArrowheads="1" noTextEdit="1"/>
+            <a:spLocks noGrp="1" noRot="1" noChangeAspect="1" noChangeArrowheads="1" noTextEdit="1"/>
           </p:cNvSpPr>
           <p:nvPr>
             <p:ph type="sldImg"/>
@@ -2054,14 +2054,14 @@
           <a:noFill/>
           <a:ln/>
           <a:extLst>
-            <a:ext uri="{909E8E84-426E-40dd-AFC4-6F175D3DCCD1}">
+            <a:ext uri="{909E8E84-426E-40DD-AFC4-6F175D3DCCD1}">
               <a14:hiddenFill xmlns:a14="http://schemas.microsoft.com/office/drawing/2010/main">
                 <a:solidFill>
                   <a:srgbClr val="FFFFFF"/>
                 </a:solidFill>
               </a14:hiddenFill>
             </a:ext>
-            <a:ext uri="{91240B29-F687-4f45-9708-019B960494DF}">
+            <a:ext uri="{91240B29-F687-4F45-9708-019B960494DF}">
               <a14:hiddenLine xmlns:a14="http://schemas.microsoft.com/office/drawing/2010/main" w="9525">
                 <a:solidFill>
                   <a:srgbClr val="000000"/>
@@ -2072,7 +2072,7 @@
               </a14:hiddenLine>
             </a:ext>
             <a:ext uri="{FAA26D3D-D897-4be2-8F04-BA451C77F1D7}">
-              <ma14:placeholderFlag xmlns:ma14="http://schemas.microsoft.com/office/mac/drawingml/2011/main" val="1"/>
+              <ma14:placeholderFlag xmlns:ma14="http://schemas.microsoft.com/office/mac/drawingml/2011/main" xmlns="" val="1"/>
             </a:ext>
           </a:extLst>
         </p:spPr>
@@ -2174,7 +2174,7 @@
             <a:tailEnd/>
           </a:ln>
           <a:extLst>
-            <a:ext uri="{909E8E84-426E-40dd-AFC4-6F175D3DCCD1}">
+            <a:ext uri="{909E8E84-426E-40DD-AFC4-6F175D3DCCD1}">
               <a14:hiddenFill xmlns:a14="http://schemas.microsoft.com/office/drawing/2010/main">
                 <a:solidFill>
                   <a:srgbClr val="FFFFFF"/>
@@ -2217,7 +2217,7 @@
             <a:tailEnd/>
           </a:ln>
           <a:extLst>
-            <a:ext uri="{909E8E84-426E-40dd-AFC4-6F175D3DCCD1}">
+            <a:ext uri="{909E8E84-426E-40DD-AFC4-6F175D3DCCD1}">
               <a14:hiddenFill xmlns:a14="http://schemas.microsoft.com/office/drawing/2010/main">
                 <a:noFill/>
               </a14:hiddenFill>
@@ -2318,7 +2318,7 @@
             <a:fld id="{B868295D-9FBD-FF45-8A4F-4DAFB69C9914}" type="datetime1">
               <a:rPr lang="en-US"/>
               <a:pPr/>
-              <a:t>8/31/15</a:t>
+              <a:t>9/2/2015</a:t>
             </a:fld>
             <a:endParaRPr lang="en-US"/>
           </a:p>
@@ -2515,7 +2515,7 @@
             <a:fld id="{9793E121-5EEF-3F4D-89D8-D6DFC04878ED}" type="datetime1">
               <a:rPr lang="en-US"/>
               <a:pPr/>
-              <a:t>8/31/15</a:t>
+              <a:t>9/2/2015</a:t>
             </a:fld>
             <a:endParaRPr lang="en-US"/>
           </a:p>
@@ -2721,7 +2721,7 @@
             <a:fld id="{205EC344-4901-A44B-BF7E-D1AAA56DF3B9}" type="datetime1">
               <a:rPr lang="en-US"/>
               <a:pPr/>
-              <a:t>8/31/15</a:t>
+              <a:t>9/2/2015</a:t>
             </a:fld>
             <a:endParaRPr lang="en-US"/>
           </a:p>
@@ -2984,7 +2984,7 @@
             <a:fld id="{6CE0781A-73DB-A346-881E-FD8EA983A412}" type="datetime1">
               <a:rPr lang="en-US"/>
               <a:pPr/>
-              <a:t>8/31/15</a:t>
+              <a:t>9/2/2015</a:t>
             </a:fld>
             <a:endParaRPr lang="en-US"/>
           </a:p>
@@ -3247,7 +3247,7 @@
             <a:fld id="{256565BC-C44B-A947-B035-7D0B5748E9DD}" type="datetime1">
               <a:rPr lang="en-US"/>
               <a:pPr/>
-              <a:t>8/31/15</a:t>
+              <a:t>9/2/2015</a:t>
             </a:fld>
             <a:endParaRPr lang="en-US"/>
           </a:p>
@@ -3443,7 +3443,7 @@
             <a:fld id="{BB283EE8-C0E3-8942-8BD3-F14FDA50ABFA}" type="datetime1">
               <a:rPr lang="en-US"/>
               <a:pPr/>
-              <a:t>8/31/15</a:t>
+              <a:t>9/2/2015</a:t>
             </a:fld>
             <a:endParaRPr lang="en-US"/>
           </a:p>
@@ -3661,7 +3661,7 @@
             <a:fld id="{0F7A4ACA-03AE-0549-ABA8-3E496F67309B}" type="datetime1">
               <a:rPr lang="en-US"/>
               <a:pPr/>
-              <a:t>8/31/15</a:t>
+              <a:t>9/2/2015</a:t>
             </a:fld>
             <a:endParaRPr lang="en-US"/>
           </a:p>
@@ -3975,7 +3975,7 @@
             <a:fld id="{ACCCAE26-4DA9-3B42-928C-464375F42591}" type="datetime1">
               <a:rPr lang="en-US"/>
               <a:pPr/>
-              <a:t>8/31/15</a:t>
+              <a:t>9/2/2015</a:t>
             </a:fld>
             <a:endParaRPr lang="en-US"/>
           </a:p>
@@ -4428,7 +4428,7 @@
             <a:fld id="{131F2341-30C0-2741-B54B-B34E34388D83}" type="datetime1">
               <a:rPr lang="en-US"/>
               <a:pPr/>
-              <a:t>8/31/15</a:t>
+              <a:t>9/2/2015</a:t>
             </a:fld>
             <a:endParaRPr lang="en-US"/>
           </a:p>
@@ -4572,7 +4572,7 @@
             <a:fld id="{C6C6E2B6-F3D4-D144-ACE7-6D6459DD3AC5}" type="datetime1">
               <a:rPr lang="en-US"/>
               <a:pPr/>
-              <a:t>8/31/15</a:t>
+              <a:t>9/2/2015</a:t>
             </a:fld>
             <a:endParaRPr lang="en-US"/>
           </a:p>
@@ -4693,7 +4693,7 @@
             <a:fld id="{0FA0E746-CEC3-6F4A-9C0F-4D2A6AC8D98E}" type="datetime1">
               <a:rPr lang="en-US"/>
               <a:pPr/>
-              <a:t>8/31/15</a:t>
+              <a:t>9/2/2015</a:t>
             </a:fld>
             <a:endParaRPr lang="en-US"/>
           </a:p>
@@ -4996,7 +4996,7 @@
             <a:fld id="{6E02367B-46B7-7B48-857C-DEDDBA9181A6}" type="datetime1">
               <a:rPr lang="en-US"/>
               <a:pPr/>
-              <a:t>8/31/15</a:t>
+              <a:t>9/2/2015</a:t>
             </a:fld>
             <a:endParaRPr lang="en-US"/>
           </a:p>
@@ -5276,7 +5276,7 @@
             <a:fld id="{E0828333-BAE6-4544-98C8-CBC3F3F8E9A1}" type="datetime1">
               <a:rPr lang="en-US"/>
               <a:pPr/>
-              <a:t>8/31/15</a:t>
+              <a:t>9/2/2015</a:t>
             </a:fld>
             <a:endParaRPr lang="en-US"/>
           </a:p>
@@ -5404,14 +5404,14 @@
             <a:noFill/>
           </a:ln>
           <a:extLst>
-            <a:ext uri="{909E8E84-426E-40dd-AFC4-6F175D3DCCD1}">
+            <a:ext uri="{909E8E84-426E-40DD-AFC4-6F175D3DCCD1}">
               <a14:hiddenFill xmlns:a14="http://schemas.microsoft.com/office/drawing/2010/main">
                 <a:solidFill>
                   <a:srgbClr val="FFFFFF"/>
                 </a:solidFill>
               </a14:hiddenFill>
             </a:ext>
-            <a:ext uri="{91240B29-F687-4f45-9708-019B960494DF}">
+            <a:ext uri="{91240B29-F687-4F45-9708-019B960494DF}">
               <a14:hiddenLine xmlns:a14="http://schemas.microsoft.com/office/drawing/2010/main" w="9525">
                 <a:solidFill>
                   <a:srgbClr val="000000"/>
@@ -5422,7 +5422,7 @@
               </a14:hiddenLine>
             </a:ext>
             <a:ext uri="{FAA26D3D-D897-4be2-8F04-BA451C77F1D7}">
-              <ma14:placeholderFlag xmlns:ma14="http://schemas.microsoft.com/office/mac/drawingml/2011/main" val="1"/>
+              <ma14:placeholderFlag xmlns:ma14="http://schemas.microsoft.com/office/mac/drawingml/2011/main" xmlns="" val="1"/>
             </a:ext>
           </a:extLst>
         </p:spPr>
@@ -5465,14 +5465,14 @@
             <a:noFill/>
           </a:ln>
           <a:extLst>
-            <a:ext uri="{909E8E84-426E-40dd-AFC4-6F175D3DCCD1}">
+            <a:ext uri="{909E8E84-426E-40DD-AFC4-6F175D3DCCD1}">
               <a14:hiddenFill xmlns:a14="http://schemas.microsoft.com/office/drawing/2010/main">
                 <a:solidFill>
                   <a:srgbClr val="FFFFFF"/>
                 </a:solidFill>
               </a14:hiddenFill>
             </a:ext>
-            <a:ext uri="{91240B29-F687-4f45-9708-019B960494DF}">
+            <a:ext uri="{91240B29-F687-4F45-9708-019B960494DF}">
               <a14:hiddenLine xmlns:a14="http://schemas.microsoft.com/office/drawing/2010/main" w="9525">
                 <a:solidFill>
                   <a:srgbClr val="000000"/>
@@ -5483,7 +5483,7 @@
               </a14:hiddenLine>
             </a:ext>
             <a:ext uri="{FAA26D3D-D897-4be2-8F04-BA451C77F1D7}">
-              <ma14:placeholderFlag xmlns:ma14="http://schemas.microsoft.com/office/mac/drawingml/2011/main" val="1"/>
+              <ma14:placeholderFlag xmlns:ma14="http://schemas.microsoft.com/office/mac/drawingml/2011/main" xmlns="" val="1"/>
             </a:ext>
           </a:extLst>
         </p:spPr>
@@ -5575,7 +5575,7 @@
             <a:fld id="{C9C4AE64-BB97-5749-998F-C17E7581A6B4}" type="datetime1">
               <a:rPr lang="en-US"/>
               <a:pPr/>
-              <a:t>8/31/15</a:t>
+              <a:t>9/2/2015</a:t>
             </a:fld>
             <a:endParaRPr lang="en-US"/>
           </a:p>
@@ -5748,7 +5748,7 @@
             <a:tailEnd/>
           </a:ln>
           <a:extLst>
-            <a:ext uri="{909E8E84-426E-40dd-AFC4-6F175D3DCCD1}">
+            <a:ext uri="{909E8E84-426E-40DD-AFC4-6F175D3DCCD1}">
               <a14:hiddenFill xmlns:a14="http://schemas.microsoft.com/office/drawing/2010/main">
                 <a:solidFill>
                   <a:srgbClr val="FFFFFF"/>
@@ -5791,7 +5791,7 @@
             <a:tailEnd/>
           </a:ln>
           <a:extLst>
-            <a:ext uri="{909E8E84-426E-40dd-AFC4-6F175D3DCCD1}">
+            <a:ext uri="{909E8E84-426E-40DD-AFC4-6F175D3DCCD1}">
               <a14:hiddenFill xmlns:a14="http://schemas.microsoft.com/office/drawing/2010/main">
                 <a:noFill/>
               </a14:hiddenFill>
@@ -5827,7 +5827,7 @@
   <p:timing>
     <p:tnLst>
       <p:par>
-        <p:cTn xmlns:p14="http://schemas.microsoft.com/office/powerpoint/2010/main" id="1" dur="indefinite" restart="never" nodeType="tmRoot"/>
+        <p:cTn id="1" dur="indefinite" restart="never" nodeType="tmRoot"/>
       </p:par>
     </p:tnLst>
   </p:timing>
@@ -6340,11 +6340,47 @@
               <a:buNone/>
             </a:pPr>
             <a:r>
+              <a:rPr lang="en-US" dirty="0" smtClean="0">
+                <a:latin typeface="Arial" charset="0"/>
+              </a:rPr>
+              <a:t>Instructors:  </a:t>
+            </a:r>
+          </a:p>
+          <a:p>
+            <a:pPr algn="ctr" eaLnBrk="1" hangingPunct="1">
+              <a:lnSpc>
+                <a:spcPct val="90000"/>
+              </a:lnSpc>
+              <a:buFont typeface="Wingdings" charset="0"/>
+              <a:buNone/>
+            </a:pPr>
+            <a:r>
+              <a:rPr lang="en-US" dirty="0" smtClean="0">
+                <a:latin typeface="Arial" charset="0"/>
+              </a:rPr>
+              <a:t>Dr</a:t>
+            </a:r>
+            <a:r>
               <a:rPr lang="en-US" dirty="0">
                 <a:latin typeface="Arial" charset="0"/>
               </a:rPr>
-              <a:t>Instructor:  Dr. Michael Geiger</a:t>
-            </a:r>
+              <a:t>. Michael </a:t>
+            </a:r>
+            <a:r>
+              <a:rPr lang="en-US" dirty="0" smtClean="0">
+                <a:latin typeface="Arial" charset="0"/>
+              </a:rPr>
+              <a:t>Geiger &amp; </a:t>
+            </a:r>
+            <a:r>
+              <a:rPr lang="en-US" smtClean="0">
+                <a:latin typeface="Arial" charset="0"/>
+              </a:rPr>
+              <a:t>Nasibeh Nasiri</a:t>
+            </a:r>
+            <a:endParaRPr lang="en-US" dirty="0">
+              <a:latin typeface="Arial" charset="0"/>
+            </a:endParaRPr>
           </a:p>
           <a:p>
             <a:pPr algn="ctr" eaLnBrk="1" hangingPunct="1">
@@ -6434,7 +6470,7 @@
   <p:timing>
     <p:tnLst>
       <p:par>
-        <p:cTn xmlns:p14="http://schemas.microsoft.com/office/powerpoint/2010/main" id="1" dur="indefinite" restart="never" nodeType="tmRoot"/>
+        <p:cTn id="1" dur="indefinite" restart="never" nodeType="tmRoot"/>
       </p:par>
     </p:tnLst>
   </p:timing>
@@ -6594,7 +6630,7 @@
                 <a:latin typeface="Garamond" charset="0"/>
               </a:rPr>
               <a:pPr eaLnBrk="1" hangingPunct="1"/>
-              <a:t>8/31/15</a:t>
+              <a:t>9/2/2015</a:t>
             </a:fld>
             <a:endParaRPr lang="en-US">
               <a:latin typeface="Garamond" charset="0"/>
@@ -7034,7 +7070,7 @@
   <p:timing>
     <p:tnLst>
       <p:par>
-        <p:cTn xmlns:p14="http://schemas.microsoft.com/office/powerpoint/2010/main" id="1" dur="indefinite" restart="never" nodeType="tmRoot"/>
+        <p:cTn id="1" dur="indefinite" restart="never" nodeType="tmRoot"/>
       </p:par>
     </p:tnLst>
   </p:timing>
@@ -7194,7 +7230,7 @@
                 <a:latin typeface="Garamond" charset="0"/>
               </a:rPr>
               <a:pPr eaLnBrk="1" hangingPunct="1"/>
-              <a:t>8/31/15</a:t>
+              <a:t>9/2/2015</a:t>
             </a:fld>
             <a:endParaRPr lang="en-US">
               <a:latin typeface="Garamond" charset="0"/>
@@ -7562,7 +7598,7 @@
   <p:timing>
     <p:tnLst>
       <p:par>
-        <p:cTn xmlns:p14="http://schemas.microsoft.com/office/powerpoint/2010/main" id="1" dur="indefinite" restart="never" nodeType="tmRoot"/>
+        <p:cTn id="1" dur="indefinite" restart="never" nodeType="tmRoot"/>
       </p:par>
     </p:tnLst>
   </p:timing>
@@ -7806,7 +7842,7 @@
                 <a:latin typeface="Garamond" charset="0"/>
               </a:rPr>
               <a:pPr eaLnBrk="1" hangingPunct="1"/>
-              <a:t>8/31/15</a:t>
+              <a:t>9/2/2015</a:t>
             </a:fld>
             <a:endParaRPr lang="en-US">
               <a:latin typeface="Garamond" charset="0"/>
@@ -7991,7 +8027,7 @@
   <p:timing>
     <p:tnLst>
       <p:par>
-        <p:cTn xmlns:p14="http://schemas.microsoft.com/office/powerpoint/2010/main" id="1" dur="indefinite" restart="never" nodeType="tmRoot"/>
+        <p:cTn id="1" dur="indefinite" restart="never" nodeType="tmRoot"/>
       </p:par>
     </p:tnLst>
   </p:timing>
@@ -8283,7 +8319,7 @@
                 <a:latin typeface="Garamond" charset="0"/>
               </a:rPr>
               <a:pPr eaLnBrk="1" hangingPunct="1"/>
-              <a:t>8/31/15</a:t>
+              <a:t>9/2/2015</a:t>
             </a:fld>
             <a:endParaRPr lang="en-US">
               <a:latin typeface="Garamond" charset="0"/>
@@ -8469,7 +8505,7 @@
   <p:timing>
     <p:tnLst>
       <p:par>
-        <p:cTn xmlns:p14="http://schemas.microsoft.com/office/powerpoint/2010/main" id="1" dur="indefinite" restart="never" nodeType="tmRoot">
+        <p:cTn id="1" dur="indefinite" restart="never" nodeType="tmRoot">
           <p:childTnLst>
             <p:seq concurrent="1" nextAc="seek">
               <p:cTn id="2" dur="indefinite" nodeType="mainSeq">
@@ -8987,7 +9023,7 @@
                 <a:latin typeface="Garamond" charset="0"/>
               </a:rPr>
               <a:pPr eaLnBrk="1" hangingPunct="1"/>
-              <a:t>8/31/15</a:t>
+              <a:t>9/2/2015</a:t>
             </a:fld>
             <a:endParaRPr lang="en-US">
               <a:latin typeface="Garamond" charset="0"/>
@@ -9173,7 +9209,7 @@
   <p:timing>
     <p:tnLst>
       <p:par>
-        <p:cTn xmlns:p14="http://schemas.microsoft.com/office/powerpoint/2010/main" id="1" dur="indefinite" restart="never" nodeType="tmRoot">
+        <p:cTn id="1" dur="indefinite" restart="never" nodeType="tmRoot">
           <p:childTnLst>
             <p:seq concurrent="1" nextAc="seek">
               <p:cTn id="2" dur="indefinite" nodeType="mainSeq">
@@ -9703,7 +9739,7 @@
                 <a:latin typeface="Garamond" charset="0"/>
               </a:rPr>
               <a:pPr eaLnBrk="1" hangingPunct="1"/>
-              <a:t>8/31/15</a:t>
+              <a:t>9/2/2015</a:t>
             </a:fld>
             <a:endParaRPr lang="en-US">
               <a:latin typeface="Garamond" charset="0"/>
@@ -9889,7 +9925,7 @@
   <p:timing>
     <p:tnLst>
       <p:par>
-        <p:cTn xmlns:p14="http://schemas.microsoft.com/office/powerpoint/2010/main" id="1" dur="indefinite" restart="never" nodeType="tmRoot">
+        <p:cTn id="1" dur="indefinite" restart="never" nodeType="tmRoot">
           <p:childTnLst>
             <p:seq concurrent="1" nextAc="seek">
               <p:cTn id="2" dur="indefinite" nodeType="mainSeq">
@@ -10593,7 +10629,7 @@
                 <a:latin typeface="Garamond" charset="0"/>
               </a:rPr>
               <a:pPr eaLnBrk="1" hangingPunct="1"/>
-              <a:t>8/31/15</a:t>
+              <a:t>9/2/2015</a:t>
             </a:fld>
             <a:endParaRPr lang="en-US">
               <a:latin typeface="Garamond" charset="0"/>
@@ -10779,7 +10815,7 @@
   <p:timing>
     <p:tnLst>
       <p:par>
-        <p:cTn xmlns:p14="http://schemas.microsoft.com/office/powerpoint/2010/main" id="1" dur="indefinite" restart="never" nodeType="tmRoot">
+        <p:cTn id="1" dur="indefinite" restart="never" nodeType="tmRoot">
           <p:childTnLst>
             <p:seq concurrent="1" nextAc="seek">
               <p:cTn id="2" dur="indefinite" nodeType="mainSeq">
@@ -11389,14 +11425,14 @@
             <a:noFill/>
           </a:ln>
           <a:extLst>
-            <a:ext uri="{909E8E84-426E-40dd-AFC4-6F175D3DCCD1}">
+            <a:ext uri="{909E8E84-426E-40DD-AFC4-6F175D3DCCD1}">
               <a14:hiddenFill xmlns:a14="http://schemas.microsoft.com/office/drawing/2010/main">
                 <a:solidFill>
                   <a:srgbClr val="FFFFFF"/>
                 </a:solidFill>
               </a14:hiddenFill>
             </a:ext>
-            <a:ext uri="{91240B29-F687-4f45-9708-019B960494DF}">
+            <a:ext uri="{91240B29-F687-4F45-9708-019B960494DF}">
               <a14:hiddenLine xmlns:a14="http://schemas.microsoft.com/office/drawing/2010/main" w="9525">
                 <a:solidFill>
                   <a:srgbClr val="000000"/>
@@ -11705,7 +11741,7 @@
                 <a:latin typeface="Garamond" charset="0"/>
               </a:rPr>
               <a:pPr eaLnBrk="1" hangingPunct="1"/>
-              <a:t>8/31/15</a:t>
+              <a:t>9/2/2015</a:t>
             </a:fld>
             <a:endParaRPr lang="en-US">
               <a:latin typeface="Garamond" charset="0"/>
@@ -11746,7 +11782,7 @@
   <p:timing>
     <p:tnLst>
       <p:par>
-        <p:cTn xmlns:p14="http://schemas.microsoft.com/office/powerpoint/2010/main" id="1" dur="indefinite" restart="never" nodeType="tmRoot"/>
+        <p:cTn id="1" dur="indefinite" restart="never" nodeType="tmRoot"/>
       </p:par>
     </p:tnLst>
   </p:timing>
@@ -11964,14 +12000,14 @@
             <a:noFill/>
           </a:ln>
           <a:extLst>
-            <a:ext uri="{909E8E84-426E-40dd-AFC4-6F175D3DCCD1}">
+            <a:ext uri="{909E8E84-426E-40DD-AFC4-6F175D3DCCD1}">
               <a14:hiddenFill xmlns:a14="http://schemas.microsoft.com/office/drawing/2010/main">
                 <a:solidFill>
                   <a:srgbClr val="FFFFFF"/>
                 </a:solidFill>
               </a14:hiddenFill>
             </a:ext>
-            <a:ext uri="{91240B29-F687-4f45-9708-019B960494DF}">
+            <a:ext uri="{91240B29-F687-4F45-9708-019B960494DF}">
               <a14:hiddenLine xmlns:a14="http://schemas.microsoft.com/office/drawing/2010/main" w="9525">
                 <a:solidFill>
                   <a:srgbClr val="000000"/>
@@ -12175,7 +12211,7 @@
             <a:tailEnd/>
           </a:ln>
           <a:extLst>
-            <a:ext uri="{909E8E84-426E-40dd-AFC4-6F175D3DCCD1}">
+            <a:ext uri="{909E8E84-426E-40DD-AFC4-6F175D3DCCD1}">
               <a14:hiddenFill xmlns:a14="http://schemas.microsoft.com/office/drawing/2010/main">
                 <a:solidFill>
                   <a:srgbClr val="FFFFFF"/>
@@ -12226,7 +12262,7 @@
             <a:tailEnd/>
           </a:ln>
           <a:extLst>
-            <a:ext uri="{909E8E84-426E-40dd-AFC4-6F175D3DCCD1}">
+            <a:ext uri="{909E8E84-426E-40DD-AFC4-6F175D3DCCD1}">
               <a14:hiddenFill xmlns:a14="http://schemas.microsoft.com/office/drawing/2010/main">
                 <a:solidFill>
                   <a:srgbClr val="FFFFFF"/>
@@ -12283,7 +12319,7 @@
             <a:tailEnd/>
           </a:ln>
           <a:extLst>
-            <a:ext uri="{909E8E84-426E-40dd-AFC4-6F175D3DCCD1}">
+            <a:ext uri="{909E8E84-426E-40DD-AFC4-6F175D3DCCD1}">
               <a14:hiddenFill xmlns:a14="http://schemas.microsoft.com/office/drawing/2010/main">
                 <a:solidFill>
                   <a:srgbClr val="FFFFFF"/>
@@ -12445,7 +12481,7 @@
                 <a:latin typeface="Garamond" charset="0"/>
               </a:rPr>
               <a:pPr eaLnBrk="1" hangingPunct="1"/>
-              <a:t>8/31/15</a:t>
+              <a:t>9/2/2015</a:t>
             </a:fld>
             <a:endParaRPr lang="en-US">
               <a:latin typeface="Garamond" charset="0"/>
@@ -12486,7 +12522,7 @@
   <p:timing>
     <p:tnLst>
       <p:par>
-        <p:cTn xmlns:p14="http://schemas.microsoft.com/office/powerpoint/2010/main" id="1" dur="indefinite" restart="never" nodeType="tmRoot"/>
+        <p:cTn id="1" dur="indefinite" restart="never" nodeType="tmRoot"/>
       </p:par>
     </p:tnLst>
   </p:timing>
@@ -12704,14 +12740,14 @@
             <a:noFill/>
           </a:ln>
           <a:extLst>
-            <a:ext uri="{909E8E84-426E-40dd-AFC4-6F175D3DCCD1}">
+            <a:ext uri="{909E8E84-426E-40DD-AFC4-6F175D3DCCD1}">
               <a14:hiddenFill xmlns:a14="http://schemas.microsoft.com/office/drawing/2010/main">
                 <a:solidFill>
                   <a:srgbClr val="FFFFFF"/>
                 </a:solidFill>
               </a14:hiddenFill>
             </a:ext>
-            <a:ext uri="{91240B29-F687-4f45-9708-019B960494DF}">
+            <a:ext uri="{91240B29-F687-4F45-9708-019B960494DF}">
               <a14:hiddenLine xmlns:a14="http://schemas.microsoft.com/office/drawing/2010/main" w="9525">
                 <a:solidFill>
                   <a:srgbClr val="000000"/>
@@ -12915,7 +12951,7 @@
             <a:tailEnd/>
           </a:ln>
           <a:extLst>
-            <a:ext uri="{909E8E84-426E-40dd-AFC4-6F175D3DCCD1}">
+            <a:ext uri="{909E8E84-426E-40DD-AFC4-6F175D3DCCD1}">
               <a14:hiddenFill xmlns:a14="http://schemas.microsoft.com/office/drawing/2010/main">
                 <a:solidFill>
                   <a:srgbClr val="FFFFFF"/>
@@ -12978,7 +13014,7 @@
             <a:tailEnd/>
           </a:ln>
           <a:extLst>
-            <a:ext uri="{909E8E84-426E-40dd-AFC4-6F175D3DCCD1}">
+            <a:ext uri="{909E8E84-426E-40DD-AFC4-6F175D3DCCD1}">
               <a14:hiddenFill xmlns:a14="http://schemas.microsoft.com/office/drawing/2010/main">
                 <a:solidFill>
                   <a:srgbClr val="FFFFFF"/>
@@ -13145,7 +13181,7 @@
                 <a:latin typeface="Garamond" charset="0"/>
               </a:rPr>
               <a:pPr eaLnBrk="1" hangingPunct="1"/>
-              <a:t>8/31/15</a:t>
+              <a:t>9/2/2015</a:t>
             </a:fld>
             <a:endParaRPr lang="en-US">
               <a:latin typeface="Garamond" charset="0"/>
@@ -13186,7 +13222,7 @@
   <p:timing>
     <p:tnLst>
       <p:par>
-        <p:cTn xmlns:p14="http://schemas.microsoft.com/office/powerpoint/2010/main" id="1" dur="indefinite" restart="never" nodeType="tmRoot"/>
+        <p:cTn id="1" dur="indefinite" restart="never" nodeType="tmRoot"/>
       </p:par>
     </p:tnLst>
   </p:timing>
@@ -13603,7 +13639,7 @@
                 <a:latin typeface="Garamond" charset="0"/>
               </a:rPr>
               <a:pPr eaLnBrk="1" hangingPunct="1"/>
-              <a:t>8/31/15</a:t>
+              <a:t>9/2/2015</a:t>
             </a:fld>
             <a:endParaRPr lang="en-US">
               <a:latin typeface="Garamond" charset="0"/>
@@ -13789,7 +13825,7 @@
   <p:timing>
     <p:tnLst>
       <p:par>
-        <p:cTn xmlns:p14="http://schemas.microsoft.com/office/powerpoint/2010/main" id="1" dur="indefinite" restart="never" nodeType="tmRoot"/>
+        <p:cTn id="1" dur="indefinite" restart="never" nodeType="tmRoot"/>
       </p:par>
     </p:tnLst>
   </p:timing>
@@ -14007,14 +14043,14 @@
             <a:noFill/>
           </a:ln>
           <a:extLst>
-            <a:ext uri="{909E8E84-426E-40dd-AFC4-6F175D3DCCD1}">
+            <a:ext uri="{909E8E84-426E-40DD-AFC4-6F175D3DCCD1}">
               <a14:hiddenFill xmlns:a14="http://schemas.microsoft.com/office/drawing/2010/main">
                 <a:solidFill>
                   <a:srgbClr val="FFFFFF"/>
                 </a:solidFill>
               </a14:hiddenFill>
             </a:ext>
-            <a:ext uri="{91240B29-F687-4f45-9708-019B960494DF}">
+            <a:ext uri="{91240B29-F687-4F45-9708-019B960494DF}">
               <a14:hiddenLine xmlns:a14="http://schemas.microsoft.com/office/drawing/2010/main" w="9525">
                 <a:solidFill>
                   <a:srgbClr val="000000"/>
@@ -14218,7 +14254,7 @@
             <a:tailEnd/>
           </a:ln>
           <a:extLst>
-            <a:ext uri="{909E8E84-426E-40dd-AFC4-6F175D3DCCD1}">
+            <a:ext uri="{909E8E84-426E-40DD-AFC4-6F175D3DCCD1}">
               <a14:hiddenFill xmlns:a14="http://schemas.microsoft.com/office/drawing/2010/main">
                 <a:solidFill>
                   <a:srgbClr val="FFFFFF"/>
@@ -14380,7 +14416,7 @@
                 <a:latin typeface="Garamond" charset="0"/>
               </a:rPr>
               <a:pPr eaLnBrk="1" hangingPunct="1"/>
-              <a:t>8/31/15</a:t>
+              <a:t>9/2/2015</a:t>
             </a:fld>
             <a:endParaRPr lang="en-US">
               <a:latin typeface="Garamond" charset="0"/>
@@ -14421,7 +14457,7 @@
   <p:timing>
     <p:tnLst>
       <p:par>
-        <p:cTn xmlns:p14="http://schemas.microsoft.com/office/powerpoint/2010/main" id="1" dur="indefinite" restart="never" nodeType="tmRoot"/>
+        <p:cTn id="1" dur="indefinite" restart="never" nodeType="tmRoot"/>
       </p:par>
     </p:tnLst>
   </p:timing>
@@ -14639,14 +14675,14 @@
             <a:noFill/>
           </a:ln>
           <a:extLst>
-            <a:ext uri="{909E8E84-426E-40dd-AFC4-6F175D3DCCD1}">
+            <a:ext uri="{909E8E84-426E-40DD-AFC4-6F175D3DCCD1}">
               <a14:hiddenFill xmlns:a14="http://schemas.microsoft.com/office/drawing/2010/main">
                 <a:solidFill>
                   <a:srgbClr val="FFFFFF"/>
                 </a:solidFill>
               </a14:hiddenFill>
             </a:ext>
-            <a:ext uri="{91240B29-F687-4f45-9708-019B960494DF}">
+            <a:ext uri="{91240B29-F687-4F45-9708-019B960494DF}">
               <a14:hiddenLine xmlns:a14="http://schemas.microsoft.com/office/drawing/2010/main" w="9525">
                 <a:solidFill>
                   <a:srgbClr val="000000"/>
@@ -14850,7 +14886,7 @@
             <a:tailEnd/>
           </a:ln>
           <a:extLst>
-            <a:ext uri="{909E8E84-426E-40dd-AFC4-6F175D3DCCD1}">
+            <a:ext uri="{909E8E84-426E-40DD-AFC4-6F175D3DCCD1}">
               <a14:hiddenFill xmlns:a14="http://schemas.microsoft.com/office/drawing/2010/main">
                 <a:solidFill>
                   <a:srgbClr val="FFFFFF"/>
@@ -14924,7 +14960,7 @@
             <a:tailEnd/>
           </a:ln>
           <a:extLst>
-            <a:ext uri="{909E8E84-426E-40dd-AFC4-6F175D3DCCD1}">
+            <a:ext uri="{909E8E84-426E-40DD-AFC4-6F175D3DCCD1}">
               <a14:hiddenFill xmlns:a14="http://schemas.microsoft.com/office/drawing/2010/main">
                 <a:solidFill>
                   <a:srgbClr val="FFFFFF"/>
@@ -14996,7 +15032,7 @@
             <a:tailEnd/>
           </a:ln>
           <a:extLst>
-            <a:ext uri="{909E8E84-426E-40dd-AFC4-6F175D3DCCD1}">
+            <a:ext uri="{909E8E84-426E-40DD-AFC4-6F175D3DCCD1}">
               <a14:hiddenFill xmlns:a14="http://schemas.microsoft.com/office/drawing/2010/main">
                 <a:solidFill>
                   <a:srgbClr val="FFFFFF"/>
@@ -15152,7 +15188,7 @@
                 <a:latin typeface="Garamond" charset="0"/>
               </a:rPr>
               <a:pPr eaLnBrk="1" hangingPunct="1"/>
-              <a:t>8/31/15</a:t>
+              <a:t>9/2/2015</a:t>
             </a:fld>
             <a:endParaRPr lang="en-US">
               <a:latin typeface="Garamond" charset="0"/>
@@ -15193,7 +15229,7 @@
   <p:timing>
     <p:tnLst>
       <p:par>
-        <p:cTn xmlns:p14="http://schemas.microsoft.com/office/powerpoint/2010/main" id="1" dur="indefinite" restart="never" nodeType="tmRoot"/>
+        <p:cTn id="1" dur="indefinite" restart="never" nodeType="tmRoot"/>
       </p:par>
     </p:tnLst>
   </p:timing>
@@ -15411,14 +15447,14 @@
             <a:noFill/>
           </a:ln>
           <a:extLst>
-            <a:ext uri="{909E8E84-426E-40dd-AFC4-6F175D3DCCD1}">
+            <a:ext uri="{909E8E84-426E-40DD-AFC4-6F175D3DCCD1}">
               <a14:hiddenFill xmlns:a14="http://schemas.microsoft.com/office/drawing/2010/main">
                 <a:solidFill>
                   <a:srgbClr val="FFFFFF"/>
                 </a:solidFill>
               </a14:hiddenFill>
             </a:ext>
-            <a:ext uri="{91240B29-F687-4f45-9708-019B960494DF}">
+            <a:ext uri="{91240B29-F687-4F45-9708-019B960494DF}">
               <a14:hiddenLine xmlns:a14="http://schemas.microsoft.com/office/drawing/2010/main" w="9525">
                 <a:solidFill>
                   <a:srgbClr val="000000"/>
@@ -15626,7 +15662,7 @@
             <a:tailEnd/>
           </a:ln>
           <a:extLst>
-            <a:ext uri="{909E8E84-426E-40dd-AFC4-6F175D3DCCD1}">
+            <a:ext uri="{909E8E84-426E-40DD-AFC4-6F175D3DCCD1}">
               <a14:hiddenFill xmlns:a14="http://schemas.microsoft.com/office/drawing/2010/main">
                 <a:solidFill>
                   <a:srgbClr val="FFFFFF"/>
@@ -15803,7 +15839,7 @@
                 <a:latin typeface="Garamond" charset="0"/>
               </a:rPr>
               <a:pPr eaLnBrk="1" hangingPunct="1"/>
-              <a:t>8/31/15</a:t>
+              <a:t>9/2/2015</a:t>
             </a:fld>
             <a:endParaRPr lang="en-US">
               <a:latin typeface="Garamond" charset="0"/>
@@ -15844,7 +15880,7 @@
   <p:timing>
     <p:tnLst>
       <p:par>
-        <p:cTn xmlns:p14="http://schemas.microsoft.com/office/powerpoint/2010/main" id="1" dur="indefinite" restart="never" nodeType="tmRoot"/>
+        <p:cTn id="1" dur="indefinite" restart="never" nodeType="tmRoot"/>
       </p:par>
     </p:tnLst>
   </p:timing>
@@ -16062,14 +16098,14 @@
             <a:noFill/>
           </a:ln>
           <a:extLst>
-            <a:ext uri="{909E8E84-426E-40dd-AFC4-6F175D3DCCD1}">
+            <a:ext uri="{909E8E84-426E-40DD-AFC4-6F175D3DCCD1}">
               <a14:hiddenFill xmlns:a14="http://schemas.microsoft.com/office/drawing/2010/main">
                 <a:solidFill>
                   <a:srgbClr val="FFFFFF"/>
                 </a:solidFill>
               </a14:hiddenFill>
             </a:ext>
-            <a:ext uri="{91240B29-F687-4f45-9708-019B960494DF}">
+            <a:ext uri="{91240B29-F687-4F45-9708-019B960494DF}">
               <a14:hiddenLine xmlns:a14="http://schemas.microsoft.com/office/drawing/2010/main" w="9525">
                 <a:solidFill>
                   <a:srgbClr val="000000"/>
@@ -16277,7 +16313,7 @@
             <a:tailEnd/>
           </a:ln>
           <a:extLst>
-            <a:ext uri="{909E8E84-426E-40dd-AFC4-6F175D3DCCD1}">
+            <a:ext uri="{909E8E84-426E-40DD-AFC4-6F175D3DCCD1}">
               <a14:hiddenFill xmlns:a14="http://schemas.microsoft.com/office/drawing/2010/main">
                 <a:solidFill>
                   <a:srgbClr val="FFFFFF"/>
@@ -16463,7 +16499,7 @@
                 <a:latin typeface="Garamond" charset="0"/>
               </a:rPr>
               <a:pPr eaLnBrk="1" hangingPunct="1"/>
-              <a:t>8/31/15</a:t>
+              <a:t>9/2/2015</a:t>
             </a:fld>
             <a:endParaRPr lang="en-US">
               <a:latin typeface="Garamond" charset="0"/>
@@ -16504,7 +16540,7 @@
   <p:timing>
     <p:tnLst>
       <p:par>
-        <p:cTn xmlns:p14="http://schemas.microsoft.com/office/powerpoint/2010/main" id="1" dur="indefinite" restart="never" nodeType="tmRoot"/>
+        <p:cTn id="1" dur="indefinite" restart="never" nodeType="tmRoot"/>
       </p:par>
     </p:tnLst>
   </p:timing>
@@ -16769,7 +16805,7 @@
             <a:fld id="{BC55047A-6447-C64E-9AF3-AFC6F57DAADB}" type="datetime1">
               <a:rPr lang="en-US" smtClean="0"/>
               <a:pPr/>
-              <a:t>8/31/15</a:t>
+              <a:t>9/2/2015</a:t>
             </a:fld>
             <a:endParaRPr lang="en-US"/>
           </a:p>
@@ -16945,7 +16981,7 @@
   <p:timing>
     <p:tnLst>
       <p:par>
-        <p:cTn xmlns:p14="http://schemas.microsoft.com/office/powerpoint/2010/main" id="1" dur="indefinite" restart="never" nodeType="tmRoot"/>
+        <p:cTn id="1" dur="indefinite" restart="never" nodeType="tmRoot"/>
       </p:par>
     </p:tnLst>
   </p:timing>
@@ -17105,7 +17141,7 @@
                 <a:latin typeface="Garamond" charset="0"/>
               </a:rPr>
               <a:pPr eaLnBrk="1" hangingPunct="1"/>
-              <a:t>8/31/15</a:t>
+              <a:t>9/2/2015</a:t>
             </a:fld>
             <a:endParaRPr lang="en-US">
               <a:latin typeface="Garamond" charset="0"/>
@@ -17462,7 +17498,7 @@
   <p:timing>
     <p:tnLst>
       <p:par>
-        <p:cTn xmlns:p14="http://schemas.microsoft.com/office/powerpoint/2010/main" id="1" dur="indefinite" restart="never" nodeType="tmRoot"/>
+        <p:cTn id="1" dur="indefinite" restart="never" nodeType="tmRoot"/>
       </p:par>
     </p:tnLst>
   </p:timing>
@@ -17622,7 +17658,7 @@
                 <a:latin typeface="Garamond" charset="0"/>
               </a:rPr>
               <a:pPr eaLnBrk="1" hangingPunct="1"/>
-              <a:t>8/31/15</a:t>
+              <a:t>9/2/2015</a:t>
             </a:fld>
             <a:endParaRPr lang="en-US">
               <a:latin typeface="Garamond" charset="0"/>
@@ -18178,7 +18214,7 @@
   <p:timing>
     <p:tnLst>
       <p:par>
-        <p:cTn xmlns:p14="http://schemas.microsoft.com/office/powerpoint/2010/main" id="1" dur="indefinite" restart="never" nodeType="tmRoot"/>
+        <p:cTn id="1" dur="indefinite" restart="never" nodeType="tmRoot"/>
       </p:par>
     </p:tnLst>
   </p:timing>
@@ -18338,7 +18374,7 @@
                 <a:latin typeface="Garamond" charset="0"/>
               </a:rPr>
               <a:pPr eaLnBrk="1" hangingPunct="1"/>
-              <a:t>8/31/15</a:t>
+              <a:t>9/2/2015</a:t>
             </a:fld>
             <a:endParaRPr lang="en-US">
               <a:latin typeface="Garamond" charset="0"/>
@@ -18716,7 +18752,7 @@
   <p:timing>
     <p:tnLst>
       <p:par>
-        <p:cTn xmlns:p14="http://schemas.microsoft.com/office/powerpoint/2010/main" id="1" dur="indefinite" restart="never" nodeType="tmRoot"/>
+        <p:cTn id="1" dur="indefinite" restart="never" nodeType="tmRoot"/>
       </p:par>
     </p:tnLst>
   </p:timing>
@@ -19176,7 +19212,7 @@
                 <a:latin typeface="Garamond" charset="0"/>
               </a:rPr>
               <a:pPr eaLnBrk="1" hangingPunct="1"/>
-              <a:t>8/31/15</a:t>
+              <a:t>9/2/2015</a:t>
             </a:fld>
             <a:endParaRPr lang="en-US">
               <a:latin typeface="Garamond" charset="0"/>
@@ -19361,7 +19397,7 @@
   <p:timing>
     <p:tnLst>
       <p:par>
-        <p:cTn xmlns:p14="http://schemas.microsoft.com/office/powerpoint/2010/main" id="1" dur="indefinite" restart="never" nodeType="tmRoot"/>
+        <p:cTn id="1" dur="indefinite" restart="never" nodeType="tmRoot"/>
       </p:par>
     </p:tnLst>
   </p:timing>
@@ -19615,7 +19651,7 @@
             <a:fld id="{427AFA42-4F3B-924A-A285-1D0B1D50B52E}" type="datetime1">
               <a:rPr lang="en-US" smtClean="0"/>
               <a:pPr/>
-              <a:t>8/31/15</a:t>
+              <a:t>9/2/2015</a:t>
             </a:fld>
             <a:endParaRPr lang="en-US"/>
           </a:p>
@@ -19791,7 +19827,7 @@
   <p:timing>
     <p:tnLst>
       <p:par>
-        <p:cTn xmlns:p14="http://schemas.microsoft.com/office/powerpoint/2010/main" id="1" dur="indefinite" restart="never" nodeType="tmRoot"/>
+        <p:cTn id="1" dur="indefinite" restart="never" nodeType="tmRoot"/>
       </p:par>
     </p:tnLst>
   </p:timing>
@@ -19862,7 +19898,7 @@
           <a:lstStyle/>
           <a:p>
             <a:r>
-              <a:rPr lang="en-US" sz="2800">
+              <a:rPr lang="en-US" sz="2800" dirty="0">
                 <a:latin typeface="Arial" charset="0"/>
               </a:rPr>
               <a:t>Will submit all code via e-mail to Dr. Geiger</a:t>
@@ -19871,7 +19907,7 @@
           <a:p>
             <a:pPr lvl="1"/>
             <a:r>
-              <a:rPr lang="en-US" sz="2400">
+              <a:rPr lang="en-US" sz="2400" dirty="0">
                 <a:latin typeface="Arial" charset="0"/>
               </a:rPr>
               <a:t>Will not get confirmation unless you explicitly ask</a:t>
@@ -19879,19 +19915,19 @@
           </a:p>
           <a:p>
             <a:r>
-              <a:rPr lang="en-US" sz="2800">
+              <a:rPr lang="en-US" sz="2800" dirty="0">
                 <a:latin typeface="Arial" charset="0"/>
               </a:rPr>
               <a:t>Penalty after due date: -(2</a:t>
             </a:r>
             <a:r>
-              <a:rPr lang="en-US" sz="2800" baseline="30000">
+              <a:rPr lang="en-US" sz="2800" baseline="30000" dirty="0">
                 <a:latin typeface="Arial" charset="0"/>
               </a:rPr>
               <a:t>n-1</a:t>
             </a:r>
             <a:r>
-              <a:rPr lang="en-US" sz="2800">
+              <a:rPr lang="en-US" sz="2800" dirty="0">
                 <a:latin typeface="Arial" charset="0"/>
               </a:rPr>
               <a:t>) points per day</a:t>
@@ -19900,7 +19936,7 @@
           <a:p>
             <a:pPr lvl="1"/>
             <a:r>
-              <a:rPr lang="en-US" sz="2400">
+              <a:rPr lang="en-US" sz="2400" dirty="0">
                 <a:latin typeface="Arial" charset="0"/>
               </a:rPr>
               <a:t>i.e., -1 after 1 day, -2 after 2 days, -4 after 3 days …</a:t>
@@ -19909,7 +19945,7 @@
           <a:p>
             <a:pPr lvl="1"/>
             <a:r>
-              <a:rPr lang="en-US" sz="2400">
+              <a:rPr lang="en-US" sz="2400" dirty="0">
                 <a:latin typeface="Arial" charset="0"/>
               </a:rPr>
               <a:t>Assignments that are 8+ days late receive 0</a:t>
@@ -19917,19 +19953,19 @@
           </a:p>
           <a:p>
             <a:r>
-              <a:rPr lang="en-US" sz="2800">
+              <a:rPr lang="en-US" sz="2800" dirty="0">
                 <a:latin typeface="Arial" charset="0"/>
               </a:rPr>
               <a:t>See grading policies (last three pages of today</a:t>
             </a:r>
             <a:r>
-              <a:rPr lang="ja-JP" altLang="en-US" sz="2800">
+              <a:rPr lang="ja-JP" altLang="en-US" sz="2800" dirty="0">
                 <a:latin typeface="Arial" charset="0"/>
               </a:rPr>
               <a:t>’</a:t>
             </a:r>
             <a:r>
-              <a:rPr lang="en-US" sz="2800">
+              <a:rPr lang="en-US" sz="2800" dirty="0">
                 <a:latin typeface="Arial" charset="0"/>
               </a:rPr>
               <a:t>s handout) for more details on:</a:t>
@@ -19938,7 +19974,7 @@
           <a:p>
             <a:pPr lvl="1"/>
             <a:r>
-              <a:rPr lang="en-US" sz="2400">
+              <a:rPr lang="en-US" sz="2400" dirty="0">
                 <a:latin typeface="Arial" charset="0"/>
               </a:rPr>
               <a:t>Grading rubric</a:t>
@@ -19947,7 +19983,7 @@
           <a:p>
             <a:pPr lvl="1"/>
             <a:r>
-              <a:rPr lang="en-US" sz="2400">
+              <a:rPr lang="en-US" sz="2400" dirty="0">
                 <a:latin typeface="Arial" charset="0"/>
               </a:rPr>
               <a:t>Common deductions</a:t>
@@ -19956,16 +19992,22 @@
           <a:p>
             <a:pPr lvl="1"/>
             <a:r>
-              <a:rPr lang="en-US" sz="2400">
-                <a:latin typeface="Arial" charset="0"/>
-              </a:rPr>
-              <a:t>Regrade policy</a:t>
+              <a:rPr lang="en-US" sz="2400" dirty="0" err="1">
+                <a:latin typeface="Arial" charset="0"/>
+              </a:rPr>
+              <a:t>Regrade</a:t>
+            </a:r>
+            <a:r>
+              <a:rPr lang="en-US" sz="2400" dirty="0">
+                <a:latin typeface="Arial" charset="0"/>
+              </a:rPr>
+              <a:t> policy</a:t>
             </a:r>
           </a:p>
           <a:p>
             <a:pPr lvl="1"/>
             <a:r>
-              <a:rPr lang="en-US" sz="2400">
+              <a:rPr lang="en-US" sz="2400" dirty="0">
                 <a:latin typeface="Arial" charset="0"/>
               </a:rPr>
               <a:t>Example grading</a:t>
@@ -20109,7 +20151,7 @@
                 <a:latin typeface="Garamond" charset="0"/>
               </a:rPr>
               <a:pPr eaLnBrk="1" hangingPunct="1"/>
-              <a:t>8/31/15</a:t>
+              <a:t>9/2/2015</a:t>
             </a:fld>
             <a:endParaRPr lang="en-US">
               <a:latin typeface="Garamond" charset="0"/>
@@ -20294,7 +20336,7 @@
   <p:timing>
     <p:tnLst>
       <p:par>
-        <p:cTn xmlns:p14="http://schemas.microsoft.com/office/powerpoint/2010/main" id="1" dur="indefinite" restart="never" nodeType="tmRoot"/>
+        <p:cTn id="1" dur="indefinite" restart="never" nodeType="tmRoot"/>
       </p:par>
     </p:tnLst>
   </p:timing>
@@ -20640,7 +20682,7 @@
                 <a:latin typeface="Garamond" charset="0"/>
               </a:rPr>
               <a:pPr eaLnBrk="1" hangingPunct="1"/>
-              <a:t>8/31/15</a:t>
+              <a:t>9/2/2015</a:t>
             </a:fld>
             <a:endParaRPr lang="en-US">
               <a:latin typeface="Garamond" charset="0"/>
@@ -20825,7 +20867,7 @@
   <p:timing>
     <p:tnLst>
       <p:par>
-        <p:cTn xmlns:p14="http://schemas.microsoft.com/office/powerpoint/2010/main" id="1" dur="indefinite" restart="never" nodeType="tmRoot"/>
+        <p:cTn id="1" dur="indefinite" restart="never" nodeType="tmRoot"/>
       </p:par>
     </p:tnLst>
   </p:timing>
